--- a/3. Control_structures.pptx
+++ b/3. Control_structures.pptx
@@ -9,15 +9,17 @@
     <p:sldId id="257" r:id="rId3"/>
     <p:sldId id="258" r:id="rId4"/>
     <p:sldId id="260" r:id="rId5"/>
-    <p:sldId id="261" r:id="rId6"/>
-    <p:sldId id="259" r:id="rId7"/>
-    <p:sldId id="262" r:id="rId8"/>
-    <p:sldId id="263" r:id="rId9"/>
-    <p:sldId id="264" r:id="rId10"/>
-    <p:sldId id="265" r:id="rId11"/>
-    <p:sldId id="266" r:id="rId12"/>
-    <p:sldId id="267" r:id="rId13"/>
-    <p:sldId id="268" r:id="rId14"/>
+    <p:sldId id="269" r:id="rId6"/>
+    <p:sldId id="261" r:id="rId7"/>
+    <p:sldId id="270" r:id="rId8"/>
+    <p:sldId id="259" r:id="rId9"/>
+    <p:sldId id="262" r:id="rId10"/>
+    <p:sldId id="263" r:id="rId11"/>
+    <p:sldId id="264" r:id="rId12"/>
+    <p:sldId id="265" r:id="rId13"/>
+    <p:sldId id="266" r:id="rId14"/>
+    <p:sldId id="267" r:id="rId15"/>
+    <p:sldId id="268" r:id="rId16"/>
   </p:sldIdLst>
   <p:sldSz cx="12192000" cy="6858000"/>
   <p:notesSz cx="6858000" cy="9144000"/>
@@ -340,7 +342,7 @@
           <a:p>
             <a:fld id="{4AAD347D-5ACD-4C99-B74B-A9C85AD731AF}" type="datetimeFigureOut">
               <a:rPr lang="en-US" dirty="0"/>
-              <a:t>12/22/2017</a:t>
+              <a:t>12/26/2017</a:t>
             </a:fld>
             <a:endParaRPr lang="en-US" dirty="0"/>
           </a:p>
@@ -610,7 +612,7 @@
           <a:p>
             <a:fld id="{4509A250-FF31-4206-8172-F9D3106AACB1}" type="datetimeFigureOut">
               <a:rPr lang="en-US" dirty="0"/>
-              <a:t>12/22/2017</a:t>
+              <a:t>12/26/2017</a:t>
             </a:fld>
             <a:endParaRPr lang="en-US" dirty="0"/>
           </a:p>
@@ -799,7 +801,7 @@
           <a:p>
             <a:fld id="{4509A250-FF31-4206-8172-F9D3106AACB1}" type="datetimeFigureOut">
               <a:rPr lang="en-US" dirty="0"/>
-              <a:t>12/22/2017</a:t>
+              <a:t>12/26/2017</a:t>
             </a:fld>
             <a:endParaRPr lang="en-US" dirty="0"/>
           </a:p>
@@ -1067,7 +1069,7 @@
           <a:p>
             <a:fld id="{4509A250-FF31-4206-8172-F9D3106AACB1}" type="datetimeFigureOut">
               <a:rPr lang="en-US" dirty="0"/>
-              <a:t>12/22/2017</a:t>
+              <a:t>12/26/2017</a:t>
             </a:fld>
             <a:endParaRPr lang="en-US" dirty="0"/>
           </a:p>
@@ -1403,7 +1405,7 @@
           <a:p>
             <a:fld id="{4509A250-FF31-4206-8172-F9D3106AACB1}" type="datetimeFigureOut">
               <a:rPr lang="en-US" dirty="0"/>
-              <a:t>12/22/2017</a:t>
+              <a:t>12/26/2017</a:t>
             </a:fld>
             <a:endParaRPr lang="en-US" dirty="0"/>
           </a:p>
@@ -2021,7 +2023,7 @@
           <a:p>
             <a:fld id="{4509A250-FF31-4206-8172-F9D3106AACB1}" type="datetimeFigureOut">
               <a:rPr lang="en-US" dirty="0"/>
-              <a:t>12/22/2017</a:t>
+              <a:t>12/26/2017</a:t>
             </a:fld>
             <a:endParaRPr lang="en-US" dirty="0"/>
           </a:p>
@@ -2876,7 +2878,7 @@
           <a:p>
             <a:fld id="{4509A250-FF31-4206-8172-F9D3106AACB1}" type="datetimeFigureOut">
               <a:rPr lang="en-US" dirty="0"/>
-              <a:t>12/22/2017</a:t>
+              <a:t>12/26/2017</a:t>
             </a:fld>
             <a:endParaRPr lang="en-US" dirty="0"/>
           </a:p>
@@ -3041,7 +3043,7 @@
           <a:p>
             <a:fld id="{4509A250-FF31-4206-8172-F9D3106AACB1}" type="datetimeFigureOut">
               <a:rPr lang="en-US" dirty="0"/>
-              <a:t>12/22/2017</a:t>
+              <a:t>12/26/2017</a:t>
             </a:fld>
             <a:endParaRPr lang="en-US" dirty="0"/>
           </a:p>
@@ -3216,7 +3218,7 @@
           <a:p>
             <a:fld id="{4509A250-FF31-4206-8172-F9D3106AACB1}" type="datetimeFigureOut">
               <a:rPr lang="en-US" dirty="0"/>
-              <a:t>12/22/2017</a:t>
+              <a:t>12/26/2017</a:t>
             </a:fld>
             <a:endParaRPr lang="en-US" dirty="0"/>
           </a:p>
@@ -3381,7 +3383,7 @@
           <a:p>
             <a:fld id="{4509A250-FF31-4206-8172-F9D3106AACB1}" type="datetimeFigureOut">
               <a:rPr lang="en-US" dirty="0"/>
-              <a:t>12/22/2017</a:t>
+              <a:t>12/26/2017</a:t>
             </a:fld>
             <a:endParaRPr lang="en-US" dirty="0"/>
           </a:p>
@@ -3623,7 +3625,7 @@
           <a:p>
             <a:fld id="{9796027F-7875-4030-9381-8BD8C4F21935}" type="datetimeFigureOut">
               <a:rPr lang="en-US" dirty="0"/>
-              <a:t>12/22/2017</a:t>
+              <a:t>12/26/2017</a:t>
             </a:fld>
             <a:endParaRPr lang="en-US" dirty="0"/>
           </a:p>
@@ -3910,7 +3912,7 @@
           <a:p>
             <a:fld id="{9796027F-7875-4030-9381-8BD8C4F21935}" type="datetimeFigureOut">
               <a:rPr lang="en-US" dirty="0"/>
-              <a:t>12/22/2017</a:t>
+              <a:t>12/26/2017</a:t>
             </a:fld>
             <a:endParaRPr lang="en-US" dirty="0"/>
           </a:p>
@@ -4349,7 +4351,7 @@
           <a:p>
             <a:fld id="{9796027F-7875-4030-9381-8BD8C4F21935}" type="datetimeFigureOut">
               <a:rPr lang="en-US" dirty="0"/>
-              <a:t>12/22/2017</a:t>
+              <a:t>12/26/2017</a:t>
             </a:fld>
             <a:endParaRPr lang="en-US" dirty="0"/>
           </a:p>
@@ -4462,7 +4464,7 @@
           <a:p>
             <a:fld id="{4509A250-FF31-4206-8172-F9D3106AACB1}" type="datetimeFigureOut">
               <a:rPr lang="en-US" dirty="0"/>
-              <a:t>12/22/2017</a:t>
+              <a:t>12/26/2017</a:t>
             </a:fld>
             <a:endParaRPr lang="en-US" dirty="0"/>
           </a:p>
@@ -4552,7 +4554,7 @@
           <a:p>
             <a:fld id="{4509A250-FF31-4206-8172-F9D3106AACB1}" type="datetimeFigureOut">
               <a:rPr lang="en-US" dirty="0"/>
-              <a:t>12/22/2017</a:t>
+              <a:t>12/26/2017</a:t>
             </a:fld>
             <a:endParaRPr lang="en-US" dirty="0"/>
           </a:p>
@@ -4826,7 +4828,7 @@
           <a:p>
             <a:fld id="{4509A250-FF31-4206-8172-F9D3106AACB1}" type="datetimeFigureOut">
               <a:rPr lang="en-US" dirty="0"/>
-              <a:t>12/22/2017</a:t>
+              <a:t>12/26/2017</a:t>
             </a:fld>
             <a:endParaRPr lang="en-US" dirty="0"/>
           </a:p>
@@ -5096,7 +5098,7 @@
           <a:p>
             <a:fld id="{4509A250-FF31-4206-8172-F9D3106AACB1}" type="datetimeFigureOut">
               <a:rPr lang="en-US" dirty="0"/>
-              <a:t>12/22/2017</a:t>
+              <a:t>12/26/2017</a:t>
             </a:fld>
             <a:endParaRPr lang="en-US" dirty="0"/>
           </a:p>
@@ -5520,7 +5522,7 @@
           <a:p>
             <a:fld id="{4AAD347D-5ACD-4C99-B74B-A9C85AD731AF}" type="datetimeFigureOut">
               <a:rPr lang="en-US" dirty="0"/>
-              <a:t>12/22/2017</a:t>
+              <a:t>12/26/2017</a:t>
             </a:fld>
             <a:endParaRPr lang="en-US" dirty="0"/>
           </a:p>
@@ -6135,35 +6137,10 @@
           <a:chExt cx="0" cy="0"/>
         </a:xfrm>
       </p:grpSpPr>
-      <p:sp>
-        <p:nvSpPr>
-          <p:cNvPr id="10" name="Title 9">
-            <a:extLst>
-              <a:ext uri="{FF2B5EF4-FFF2-40B4-BE49-F238E27FC236}">
-                <a16:creationId xmlns:a16="http://schemas.microsoft.com/office/drawing/2014/main" id="{FED1708C-B2FE-4A60-8F24-64369B9CDBDC}"/>
-              </a:ext>
-            </a:extLst>
-          </p:cNvPr>
-          <p:cNvSpPr>
-            <a:spLocks noGrp="1"/>
-          </p:cNvSpPr>
-          <p:nvPr>
-            <p:ph type="title"/>
-          </p:nvPr>
-        </p:nvSpPr>
-        <p:spPr/>
-        <p:txBody>
-          <a:bodyPr/>
-          <a:lstStyle/>
-          <a:p>
-            <a:endParaRPr lang="en-IN"/>
-          </a:p>
-        </p:txBody>
-      </p:sp>
     </p:spTree>
     <p:extLst>
       <p:ext uri="{BB962C8B-B14F-4D97-AF65-F5344CB8AC3E}">
-        <p14:creationId xmlns:p14="http://schemas.microsoft.com/office/powerpoint/2010/main" val="1797183433"/>
+        <p14:creationId xmlns:p14="http://schemas.microsoft.com/office/powerpoint/2010/main" val="3723796558"/>
       </p:ext>
     </p:extLst>
   </p:cSld>
@@ -6192,10 +6169,10 @@
       </p:grpSpPr>
       <p:sp>
         <p:nvSpPr>
-          <p:cNvPr id="7" name="Title 6">
+          <p:cNvPr id="4" name="Title 3">
             <a:extLst>
               <a:ext uri="{FF2B5EF4-FFF2-40B4-BE49-F238E27FC236}">
-                <a16:creationId xmlns:a16="http://schemas.microsoft.com/office/drawing/2014/main" id="{A221C4A3-E37F-4845-AE44-AB94D8364B8D}"/>
+                <a16:creationId xmlns:a16="http://schemas.microsoft.com/office/drawing/2014/main" id="{E46807F2-6D76-4EE7-97A0-D00787ACAC5F}"/>
               </a:ext>
             </a:extLst>
           </p:cNvPr>
@@ -6218,7 +6195,7 @@
     </p:spTree>
     <p:extLst>
       <p:ext uri="{BB962C8B-B14F-4D97-AF65-F5344CB8AC3E}">
-        <p14:creationId xmlns:p14="http://schemas.microsoft.com/office/powerpoint/2010/main" val="2911170480"/>
+        <p14:creationId xmlns:p14="http://schemas.microsoft.com/office/powerpoint/2010/main" val="2004165061"/>
       </p:ext>
     </p:extLst>
   </p:cSld>
@@ -6247,6 +6224,116 @@
       </p:grpSpPr>
       <p:sp>
         <p:nvSpPr>
+          <p:cNvPr id="10" name="Title 9">
+            <a:extLst>
+              <a:ext uri="{FF2B5EF4-FFF2-40B4-BE49-F238E27FC236}">
+                <a16:creationId xmlns:a16="http://schemas.microsoft.com/office/drawing/2014/main" id="{FED1708C-B2FE-4A60-8F24-64369B9CDBDC}"/>
+              </a:ext>
+            </a:extLst>
+          </p:cNvPr>
+          <p:cNvSpPr>
+            <a:spLocks noGrp="1"/>
+          </p:cNvSpPr>
+          <p:nvPr>
+            <p:ph type="title"/>
+          </p:nvPr>
+        </p:nvSpPr>
+        <p:spPr/>
+        <p:txBody>
+          <a:bodyPr/>
+          <a:lstStyle/>
+          <a:p>
+            <a:endParaRPr lang="en-IN"/>
+          </a:p>
+        </p:txBody>
+      </p:sp>
+    </p:spTree>
+    <p:extLst>
+      <p:ext uri="{BB962C8B-B14F-4D97-AF65-F5344CB8AC3E}">
+        <p14:creationId xmlns:p14="http://schemas.microsoft.com/office/powerpoint/2010/main" val="1797183433"/>
+      </p:ext>
+    </p:extLst>
+  </p:cSld>
+  <p:clrMapOvr>
+    <a:masterClrMapping/>
+  </p:clrMapOvr>
+</p:sld>
+</file>
+
+<file path=ppt/slides/slide13.xml><?xml version="1.0" encoding="utf-8"?>
+<p:sld xmlns:a="http://schemas.openxmlformats.org/drawingml/2006/main" xmlns:r="http://schemas.openxmlformats.org/officeDocument/2006/relationships" xmlns:p="http://schemas.openxmlformats.org/presentationml/2006/main">
+  <p:cSld>
+    <p:spTree>
+      <p:nvGrpSpPr>
+        <p:cNvPr id="1" name=""/>
+        <p:cNvGrpSpPr/>
+        <p:nvPr/>
+      </p:nvGrpSpPr>
+      <p:grpSpPr>
+        <a:xfrm>
+          <a:off x="0" y="0"/>
+          <a:ext cx="0" cy="0"/>
+          <a:chOff x="0" y="0"/>
+          <a:chExt cx="0" cy="0"/>
+        </a:xfrm>
+      </p:grpSpPr>
+      <p:sp>
+        <p:nvSpPr>
+          <p:cNvPr id="7" name="Title 6">
+            <a:extLst>
+              <a:ext uri="{FF2B5EF4-FFF2-40B4-BE49-F238E27FC236}">
+                <a16:creationId xmlns:a16="http://schemas.microsoft.com/office/drawing/2014/main" id="{A221C4A3-E37F-4845-AE44-AB94D8364B8D}"/>
+              </a:ext>
+            </a:extLst>
+          </p:cNvPr>
+          <p:cNvSpPr>
+            <a:spLocks noGrp="1"/>
+          </p:cNvSpPr>
+          <p:nvPr>
+            <p:ph type="title"/>
+          </p:nvPr>
+        </p:nvSpPr>
+        <p:spPr/>
+        <p:txBody>
+          <a:bodyPr/>
+          <a:lstStyle/>
+          <a:p>
+            <a:endParaRPr lang="en-IN"/>
+          </a:p>
+        </p:txBody>
+      </p:sp>
+    </p:spTree>
+    <p:extLst>
+      <p:ext uri="{BB962C8B-B14F-4D97-AF65-F5344CB8AC3E}">
+        <p14:creationId xmlns:p14="http://schemas.microsoft.com/office/powerpoint/2010/main" val="2911170480"/>
+      </p:ext>
+    </p:extLst>
+  </p:cSld>
+  <p:clrMapOvr>
+    <a:masterClrMapping/>
+  </p:clrMapOvr>
+</p:sld>
+</file>
+
+<file path=ppt/slides/slide14.xml><?xml version="1.0" encoding="utf-8"?>
+<p:sld xmlns:a="http://schemas.openxmlformats.org/drawingml/2006/main" xmlns:r="http://schemas.openxmlformats.org/officeDocument/2006/relationships" xmlns:p="http://schemas.openxmlformats.org/presentationml/2006/main">
+  <p:cSld>
+    <p:spTree>
+      <p:nvGrpSpPr>
+        <p:cNvPr id="1" name=""/>
+        <p:cNvGrpSpPr/>
+        <p:nvPr/>
+      </p:nvGrpSpPr>
+      <p:grpSpPr>
+        <a:xfrm>
+          <a:off x="0" y="0"/>
+          <a:ext cx="0" cy="0"/>
+          <a:chOff x="0" y="0"/>
+          <a:chExt cx="0" cy="0"/>
+        </a:xfrm>
+      </p:grpSpPr>
+      <p:sp>
+        <p:nvSpPr>
           <p:cNvPr id="6" name="Title 5">
             <a:extLst>
               <a:ext uri="{FF2B5EF4-FFF2-40B4-BE49-F238E27FC236}">
@@ -6283,7 +6370,7 @@
 </p:sld>
 </file>
 
-<file path=ppt/slides/slide13.xml><?xml version="1.0" encoding="utf-8"?>
+<file path=ppt/slides/slide15.xml><?xml version="1.0" encoding="utf-8"?>
 <p:sld xmlns:a="http://schemas.openxmlformats.org/drawingml/2006/main" xmlns:r="http://schemas.openxmlformats.org/officeDocument/2006/relationships" xmlns:p="http://schemas.openxmlformats.org/presentationml/2006/main">
   <p:cSld>
     <p:spTree>
@@ -6543,7 +6630,207 @@
           <a:p>
             <a:r>
               <a:rPr lang="en-IN" dirty="0"/>
-              <a:t>Rules for naming Variable</a:t>
+              <a:t>If-else statement</a:t>
+            </a:r>
+          </a:p>
+        </p:txBody>
+      </p:sp>
+      <p:sp>
+        <p:nvSpPr>
+          <p:cNvPr id="2" name="TextBox 1">
+            <a:extLst>
+              <a:ext uri="{FF2B5EF4-FFF2-40B4-BE49-F238E27FC236}">
+                <a16:creationId xmlns:a16="http://schemas.microsoft.com/office/drawing/2014/main" id="{D3C4665C-1251-41D4-AA1F-1B56752835EB}"/>
+              </a:ext>
+            </a:extLst>
+          </p:cNvPr>
+          <p:cNvSpPr txBox="1"/>
+          <p:nvPr/>
+        </p:nvSpPr>
+        <p:spPr>
+          <a:xfrm>
+            <a:off x="543241" y="2755126"/>
+            <a:ext cx="10143809" cy="3693319"/>
+          </a:xfrm>
+          <a:prstGeom prst="rect">
+            <a:avLst/>
+          </a:prstGeom>
+          <a:noFill/>
+          <a:ln>
+            <a:solidFill>
+              <a:srgbClr val="FF0000"/>
+            </a:solidFill>
+          </a:ln>
+        </p:spPr>
+        <p:txBody>
+          <a:bodyPr wrap="square" rtlCol="0">
+            <a:spAutoFit/>
+          </a:bodyPr>
+          <a:lstStyle/>
+          <a:p>
+            <a:r>
+              <a:rPr lang="en-IN" dirty="0"/>
+              <a:t># All strings are entered using double quotes</a:t>
+            </a:r>
+          </a:p>
+          <a:p>
+            <a:endParaRPr lang="en-IN" dirty="0"/>
+          </a:p>
+          <a:p>
+            <a:r>
+              <a:rPr lang="en-IN" dirty="0"/>
+              <a:t># Notice the : which come after if condition and else</a:t>
+            </a:r>
+          </a:p>
+          <a:p>
+            <a:r>
+              <a:rPr lang="en-IN" dirty="0"/>
+              <a:t># Notice the indentation before the print statement</a:t>
+            </a:r>
+          </a:p>
+          <a:p>
+            <a:r>
+              <a:rPr lang="en-IN" dirty="0"/>
+              <a:t># Experiment by changing the indentation of print statement</a:t>
+            </a:r>
+          </a:p>
+          <a:p>
+            <a:r>
+              <a:rPr lang="en-IN" dirty="0"/>
+              <a:t># that will help you to understand the concept of indentation</a:t>
+            </a:r>
+          </a:p>
+          <a:p>
+            <a:r>
+              <a:rPr lang="en-IN" dirty="0"/>
+              <a:t># better.</a:t>
+            </a:r>
+          </a:p>
+          <a:p>
+            <a:r>
+              <a:rPr lang="en-IN" dirty="0"/>
+              <a:t>number = </a:t>
+            </a:r>
+            <a:r>
+              <a:rPr lang="en-IN" dirty="0" err="1"/>
+              <a:t>int</a:t>
+            </a:r>
+            <a:r>
+              <a:rPr lang="en-IN" dirty="0"/>
+              <a:t>(</a:t>
+            </a:r>
+            <a:r>
+              <a:rPr lang="en-IN" dirty="0" err="1"/>
+              <a:t>raw_input</a:t>
+            </a:r>
+            <a:r>
+              <a:rPr lang="en-IN" dirty="0"/>
+              <a:t>("Enter a number"))</a:t>
+            </a:r>
+          </a:p>
+          <a:p>
+            <a:endParaRPr lang="en-IN" dirty="0"/>
+          </a:p>
+          <a:p>
+            <a:r>
+              <a:rPr lang="en-IN" dirty="0"/>
+              <a:t>if number &gt;= 0:</a:t>
+            </a:r>
+          </a:p>
+          <a:p>
+            <a:r>
+              <a:rPr lang="en-IN" dirty="0"/>
+              <a:t>   print "Number is positive"</a:t>
+            </a:r>
+          </a:p>
+          <a:p>
+            <a:r>
+              <a:rPr lang="en-IN" dirty="0"/>
+              <a:t>else:</a:t>
+            </a:r>
+          </a:p>
+          <a:p>
+            <a:r>
+              <a:rPr lang="en-IN" dirty="0"/>
+              <a:t>   print "Number is negative"</a:t>
+            </a:r>
+          </a:p>
+        </p:txBody>
+      </p:sp>
+      <p:sp>
+        <p:nvSpPr>
+          <p:cNvPr id="3" name="TextBox 2">
+            <a:extLst>
+              <a:ext uri="{FF2B5EF4-FFF2-40B4-BE49-F238E27FC236}">
+                <a16:creationId xmlns:a16="http://schemas.microsoft.com/office/drawing/2014/main" id="{01477D4F-AE23-4B8F-AC78-83FE5F8FCDF7}"/>
+              </a:ext>
+            </a:extLst>
+          </p:cNvPr>
+          <p:cNvSpPr txBox="1"/>
+          <p:nvPr/>
+        </p:nvSpPr>
+        <p:spPr>
+          <a:xfrm>
+            <a:off x="646111" y="1405890"/>
+            <a:ext cx="8989379" cy="1200329"/>
+          </a:xfrm>
+          <a:prstGeom prst="rect">
+            <a:avLst/>
+          </a:prstGeom>
+          <a:noFill/>
+          <a:ln>
+            <a:solidFill>
+              <a:srgbClr val="FF0000"/>
+            </a:solidFill>
+          </a:ln>
+        </p:spPr>
+        <p:txBody>
+          <a:bodyPr wrap="square" rtlCol="0">
+            <a:spAutoFit/>
+          </a:bodyPr>
+          <a:lstStyle/>
+          <a:p>
+            <a:r>
+              <a:rPr lang="en-IN" b="1" dirty="0">
+                <a:solidFill>
+                  <a:srgbClr val="FF0000"/>
+                </a:solidFill>
+              </a:rPr>
+              <a:t>if </a:t>
+            </a:r>
+            <a:r>
+              <a:rPr lang="en-IN" dirty="0"/>
+              <a:t> &lt;Condition&gt;</a:t>
+            </a:r>
+            <a:r>
+              <a:rPr lang="en-IN" b="1" dirty="0">
+                <a:solidFill>
+                  <a:srgbClr val="FF0000"/>
+                </a:solidFill>
+              </a:rPr>
+              <a:t> :</a:t>
+            </a:r>
+          </a:p>
+          <a:p>
+            <a:r>
+              <a:rPr lang="en-IN" dirty="0"/>
+              <a:t>&lt;indentation&gt; &lt;Block of Action&gt;</a:t>
+            </a:r>
+          </a:p>
+          <a:p>
+            <a:r>
+              <a:rPr lang="en-IN" b="1" dirty="0">
+                <a:solidFill>
+                  <a:srgbClr val="FF0000"/>
+                </a:solidFill>
+              </a:rPr>
+              <a:t>else:</a:t>
+            </a:r>
+          </a:p>
+          <a:p>
+            <a:r>
+              <a:rPr lang="en-IN" dirty="0"/>
+              <a:t>&lt;indentation&gt; &lt;Block of Action&gt;</a:t>
             </a:r>
           </a:p>
         </p:txBody>
@@ -6606,8 +6893,200 @@
           <a:p>
             <a:r>
               <a:rPr lang="en-IN" dirty="0"/>
-              <a:t>Concept of Physical and Logical lines</a:t>
-            </a:r>
+              <a:t>IF-</a:t>
+            </a:r>
+            <a:r>
+              <a:rPr lang="en-IN" dirty="0" err="1"/>
+              <a:t>elif</a:t>
+            </a:r>
+            <a:r>
+              <a:rPr lang="en-IN" dirty="0"/>
+              <a:t>-else statement </a:t>
+            </a:r>
+          </a:p>
+        </p:txBody>
+      </p:sp>
+      <p:sp>
+        <p:nvSpPr>
+          <p:cNvPr id="3" name="TextBox 2">
+            <a:extLst>
+              <a:ext uri="{FF2B5EF4-FFF2-40B4-BE49-F238E27FC236}">
+                <a16:creationId xmlns:a16="http://schemas.microsoft.com/office/drawing/2014/main" id="{51255549-52C6-4F19-9FCE-DEB83D1CE520}"/>
+              </a:ext>
+            </a:extLst>
+          </p:cNvPr>
+          <p:cNvSpPr txBox="1"/>
+          <p:nvPr/>
+        </p:nvSpPr>
+        <p:spPr>
+          <a:xfrm>
+            <a:off x="773158" y="2010800"/>
+            <a:ext cx="10438793" cy="4154984"/>
+          </a:xfrm>
+          <a:prstGeom prst="rect">
+            <a:avLst/>
+          </a:prstGeom>
+          <a:noFill/>
+          <a:ln>
+            <a:solidFill>
+              <a:srgbClr val="FF0000"/>
+            </a:solidFill>
+          </a:ln>
+        </p:spPr>
+        <p:txBody>
+          <a:bodyPr wrap="square" rtlCol="0">
+            <a:spAutoFit/>
+          </a:bodyPr>
+          <a:lstStyle/>
+          <a:p>
+            <a:r>
+              <a:rPr lang="en-IN" sz="2400" b="1" dirty="0">
+                <a:solidFill>
+                  <a:srgbClr val="FF0000"/>
+                </a:solidFill>
+              </a:rPr>
+              <a:t>if </a:t>
+            </a:r>
+            <a:r>
+              <a:rPr lang="en-IN" sz="2400" dirty="0"/>
+              <a:t> </a:t>
+            </a:r>
+            <a:r>
+              <a:rPr lang="en-IN" sz="2400" b="1" dirty="0"/>
+              <a:t>&lt;Condition-1&gt;</a:t>
+            </a:r>
+            <a:r>
+              <a:rPr lang="en-IN" sz="2400" b="1" dirty="0">
+                <a:solidFill>
+                  <a:srgbClr val="FF0000"/>
+                </a:solidFill>
+              </a:rPr>
+              <a:t> :</a:t>
+            </a:r>
+          </a:p>
+          <a:p>
+            <a:r>
+              <a:rPr lang="en-IN" sz="2400" dirty="0"/>
+              <a:t>&lt;indentation&gt; &lt;Block of Action-1&gt;</a:t>
+            </a:r>
+          </a:p>
+          <a:p>
+            <a:r>
+              <a:rPr lang="en-IN" sz="2400" b="1" dirty="0" err="1">
+                <a:solidFill>
+                  <a:srgbClr val="FF0000"/>
+                </a:solidFill>
+              </a:rPr>
+              <a:t>elif</a:t>
+            </a:r>
+            <a:r>
+              <a:rPr lang="en-IN" sz="2400" b="1" dirty="0">
+                <a:solidFill>
+                  <a:srgbClr val="FF0000"/>
+                </a:solidFill>
+              </a:rPr>
+              <a:t>: </a:t>
+            </a:r>
+            <a:r>
+              <a:rPr lang="en-IN" sz="2400" b="1" dirty="0"/>
+              <a:t>&lt;Condition-2&gt;</a:t>
+            </a:r>
+            <a:endParaRPr lang="en-IN" sz="2400" b="1" dirty="0">
+              <a:solidFill>
+                <a:srgbClr val="FF0000"/>
+              </a:solidFill>
+            </a:endParaRPr>
+          </a:p>
+          <a:p>
+            <a:r>
+              <a:rPr lang="en-IN" sz="2400" dirty="0"/>
+              <a:t>&lt;indentation&gt; &lt;Block of Action-2&gt;</a:t>
+            </a:r>
+          </a:p>
+          <a:p>
+            <a:r>
+              <a:rPr lang="en-IN" sz="2400" b="1" dirty="0" err="1">
+                <a:solidFill>
+                  <a:srgbClr val="FF0000"/>
+                </a:solidFill>
+              </a:rPr>
+              <a:t>elif</a:t>
+            </a:r>
+            <a:r>
+              <a:rPr lang="en-IN" sz="2400" b="1" dirty="0">
+                <a:solidFill>
+                  <a:srgbClr val="FF0000"/>
+                </a:solidFill>
+              </a:rPr>
+              <a:t>: </a:t>
+            </a:r>
+            <a:r>
+              <a:rPr lang="en-IN" sz="2400" b="1" dirty="0"/>
+              <a:t>&lt;Condition-3&gt;</a:t>
+            </a:r>
+            <a:endParaRPr lang="en-IN" sz="2400" b="1" dirty="0">
+              <a:solidFill>
+                <a:srgbClr val="FF0000"/>
+              </a:solidFill>
+            </a:endParaRPr>
+          </a:p>
+          <a:p>
+            <a:r>
+              <a:rPr lang="en-IN" sz="2400" dirty="0"/>
+              <a:t>&lt;indentation&gt; &lt;Block of Action-3&gt;</a:t>
+            </a:r>
+          </a:p>
+          <a:p>
+            <a:r>
+              <a:rPr lang="en-IN" sz="2400" b="1" dirty="0" err="1">
+                <a:solidFill>
+                  <a:srgbClr val="FF0000"/>
+                </a:solidFill>
+              </a:rPr>
+              <a:t>elif</a:t>
+            </a:r>
+            <a:r>
+              <a:rPr lang="en-IN" sz="2400" b="1" dirty="0">
+                <a:solidFill>
+                  <a:srgbClr val="FF0000"/>
+                </a:solidFill>
+              </a:rPr>
+              <a:t>: </a:t>
+            </a:r>
+            <a:r>
+              <a:rPr lang="en-IN" sz="2400" b="1" dirty="0"/>
+              <a:t>&lt;Condition-4&gt;</a:t>
+            </a:r>
+            <a:endParaRPr lang="en-IN" sz="2400" b="1" dirty="0">
+              <a:solidFill>
+                <a:srgbClr val="FF0000"/>
+              </a:solidFill>
+            </a:endParaRPr>
+          </a:p>
+          <a:p>
+            <a:r>
+              <a:rPr lang="en-IN" sz="2400" dirty="0"/>
+              <a:t>&lt;indentation&gt; &lt;Block of Action-4&gt;</a:t>
+            </a:r>
+          </a:p>
+          <a:p>
+            <a:r>
+              <a:rPr lang="en-IN" sz="2400" b="1" dirty="0">
+                <a:solidFill>
+                  <a:srgbClr val="FF0000"/>
+                </a:solidFill>
+              </a:rPr>
+              <a:t>else </a:t>
+            </a:r>
+          </a:p>
+          <a:p>
+            <a:r>
+              <a:rPr lang="en-IN" sz="2400" dirty="0"/>
+              <a:t>&lt;indentation&gt; &lt;Block of Action-5&gt;</a:t>
+            </a:r>
+          </a:p>
+          <a:p>
+            <a:endParaRPr lang="en-IN" sz="2400" dirty="0"/>
           </a:p>
         </p:txBody>
       </p:sp>
@@ -6641,10 +7120,179 @@
           <a:chExt cx="0" cy="0"/>
         </a:xfrm>
       </p:grpSpPr>
+      <p:sp>
+        <p:nvSpPr>
+          <p:cNvPr id="2" name="Rectangle 1">
+            <a:extLst>
+              <a:ext uri="{FF2B5EF4-FFF2-40B4-BE49-F238E27FC236}">
+                <a16:creationId xmlns:a16="http://schemas.microsoft.com/office/drawing/2014/main" id="{69C3D4F0-016C-4E25-BB21-BEB694B1A36E}"/>
+              </a:ext>
+            </a:extLst>
+          </p:cNvPr>
+          <p:cNvSpPr/>
+          <p:nvPr/>
+        </p:nvSpPr>
+        <p:spPr>
+          <a:xfrm>
+            <a:off x="548640" y="1028343"/>
+            <a:ext cx="9411286" cy="4247317"/>
+          </a:xfrm>
+          <a:prstGeom prst="rect">
+            <a:avLst/>
+          </a:prstGeom>
+        </p:spPr>
+        <p:txBody>
+          <a:bodyPr wrap="square">
+            <a:spAutoFit/>
+          </a:bodyPr>
+          <a:lstStyle/>
+          <a:p>
+            <a:r>
+              <a:rPr lang="en-IN" dirty="0"/>
+              <a:t># All strings are entered using double quotes</a:t>
+            </a:r>
+          </a:p>
+          <a:p>
+            <a:endParaRPr lang="en-IN" dirty="0"/>
+          </a:p>
+          <a:p>
+            <a:r>
+              <a:rPr lang="en-IN" dirty="0"/>
+              <a:t># Notice the : which come after if condition and else</a:t>
+            </a:r>
+          </a:p>
+          <a:p>
+            <a:r>
+              <a:rPr lang="en-IN" dirty="0"/>
+              <a:t># Notice the </a:t>
+            </a:r>
+            <a:r>
+              <a:rPr lang="en-IN" dirty="0" err="1"/>
+              <a:t>intendation</a:t>
+            </a:r>
+            <a:r>
+              <a:rPr lang="en-IN" dirty="0"/>
+              <a:t> before the print statement</a:t>
+            </a:r>
+          </a:p>
+          <a:p>
+            <a:r>
+              <a:rPr lang="en-IN" dirty="0"/>
+              <a:t># </a:t>
+            </a:r>
+            <a:r>
+              <a:rPr lang="en-IN" dirty="0" err="1"/>
+              <a:t>Experiement</a:t>
+            </a:r>
+            <a:r>
+              <a:rPr lang="en-IN" dirty="0"/>
+              <a:t> by changing the </a:t>
+            </a:r>
+            <a:r>
+              <a:rPr lang="en-IN" dirty="0" err="1"/>
+              <a:t>intendation</a:t>
+            </a:r>
+            <a:r>
+              <a:rPr lang="en-IN" dirty="0"/>
+              <a:t> of print statement</a:t>
+            </a:r>
+          </a:p>
+          <a:p>
+            <a:r>
+              <a:rPr lang="en-IN" dirty="0"/>
+              <a:t># that will help you to </a:t>
+            </a:r>
+            <a:r>
+              <a:rPr lang="en-IN" dirty="0" err="1"/>
+              <a:t>undertand</a:t>
+            </a:r>
+            <a:r>
+              <a:rPr lang="en-IN" dirty="0"/>
+              <a:t> the concept of </a:t>
+            </a:r>
+            <a:r>
+              <a:rPr lang="en-IN" dirty="0" err="1"/>
+              <a:t>intendation</a:t>
+            </a:r>
+            <a:endParaRPr lang="en-IN" dirty="0"/>
+          </a:p>
+          <a:p>
+            <a:r>
+              <a:rPr lang="en-IN" dirty="0"/>
+              <a:t># better.</a:t>
+            </a:r>
+          </a:p>
+          <a:p>
+            <a:r>
+              <a:rPr lang="en-IN" dirty="0"/>
+              <a:t>number = </a:t>
+            </a:r>
+            <a:r>
+              <a:rPr lang="en-IN" dirty="0" err="1"/>
+              <a:t>int</a:t>
+            </a:r>
+            <a:r>
+              <a:rPr lang="en-IN" dirty="0"/>
+              <a:t>(</a:t>
+            </a:r>
+            <a:r>
+              <a:rPr lang="en-IN" dirty="0" err="1"/>
+              <a:t>raw_input</a:t>
+            </a:r>
+            <a:r>
+              <a:rPr lang="en-IN" dirty="0"/>
+              <a:t>("Enter a number"))</a:t>
+            </a:r>
+          </a:p>
+          <a:p>
+            <a:endParaRPr lang="en-IN" dirty="0"/>
+          </a:p>
+          <a:p>
+            <a:r>
+              <a:rPr lang="en-IN" dirty="0"/>
+              <a:t>if number == 0:</a:t>
+            </a:r>
+          </a:p>
+          <a:p>
+            <a:r>
+              <a:rPr lang="en-IN" dirty="0"/>
+              <a:t>   print "Number is Zero"</a:t>
+            </a:r>
+          </a:p>
+          <a:p>
+            <a:r>
+              <a:rPr lang="en-IN" dirty="0" err="1"/>
+              <a:t>elif</a:t>
+            </a:r>
+            <a:r>
+              <a:rPr lang="en-IN" dirty="0"/>
+              <a:t> number &gt; 0:</a:t>
+            </a:r>
+          </a:p>
+          <a:p>
+            <a:r>
+              <a:rPr lang="en-IN" dirty="0"/>
+              <a:t>   print "Number is Positive"</a:t>
+            </a:r>
+          </a:p>
+          <a:p>
+            <a:r>
+              <a:rPr lang="en-IN" dirty="0"/>
+              <a:t>else:</a:t>
+            </a:r>
+          </a:p>
+          <a:p>
+            <a:r>
+              <a:rPr lang="en-IN" dirty="0"/>
+              <a:t>   print "Number is negative"</a:t>
+            </a:r>
+          </a:p>
+        </p:txBody>
+      </p:sp>
     </p:spTree>
     <p:extLst>
       <p:ext uri="{BB962C8B-B14F-4D97-AF65-F5344CB8AC3E}">
-        <p14:creationId xmlns:p14="http://schemas.microsoft.com/office/powerpoint/2010/main" val="3350799638"/>
+        <p14:creationId xmlns:p14="http://schemas.microsoft.com/office/powerpoint/2010/main" val="3613583999"/>
       </p:ext>
     </p:extLst>
   </p:cSld>
@@ -6673,33 +7321,255 @@
       </p:grpSpPr>
       <p:sp>
         <p:nvSpPr>
-          <p:cNvPr id="3" name="Title 2">
+          <p:cNvPr id="2" name="Title 4">
             <a:extLst>
               <a:ext uri="{FF2B5EF4-FFF2-40B4-BE49-F238E27FC236}">
-                <a16:creationId xmlns:a16="http://schemas.microsoft.com/office/drawing/2014/main" id="{08B6FD0E-B0BE-45FF-AB03-F4BC1CE56520}"/>
+                <a16:creationId xmlns:a16="http://schemas.microsoft.com/office/drawing/2014/main" id="{518C3DF0-7D1A-42DE-A0FF-4DE79513C87D}"/>
               </a:ext>
             </a:extLst>
           </p:cNvPr>
-          <p:cNvSpPr>
-            <a:spLocks noGrp="1"/>
-          </p:cNvSpPr>
-          <p:nvPr>
-            <p:ph type="title"/>
-          </p:nvPr>
-        </p:nvSpPr>
-        <p:spPr/>
+          <p:cNvSpPr txBox="1">
+            <a:spLocks/>
+          </p:cNvSpPr>
+          <p:nvPr/>
+        </p:nvSpPr>
+        <p:spPr>
+          <a:xfrm>
+            <a:off x="238147" y="354244"/>
+            <a:ext cx="10059403" cy="799307"/>
+          </a:xfrm>
+          <a:prstGeom prst="rect">
+            <a:avLst/>
+          </a:prstGeom>
+        </p:spPr>
         <p:txBody>
           <a:bodyPr/>
+          <a:lstStyle>
+            <a:lvl1pPr algn="l" defTabSz="457200" rtl="0" eaLnBrk="1" latinLnBrk="0" hangingPunct="1">
+              <a:spcBef>
+                <a:spcPct val="0"/>
+              </a:spcBef>
+              <a:buNone/>
+              <a:defRPr sz="4200" b="0" i="0" kern="1200">
+                <a:solidFill>
+                  <a:schemeClr val="tx2"/>
+                </a:solidFill>
+                <a:latin typeface="+mj-lt"/>
+                <a:ea typeface="+mj-ea"/>
+                <a:cs typeface="+mj-cs"/>
+              </a:defRPr>
+            </a:lvl1pPr>
+            <a:lvl2pPr eaLnBrk="1" hangingPunct="1">
+              <a:defRPr>
+                <a:solidFill>
+                  <a:schemeClr val="tx2"/>
+                </a:solidFill>
+              </a:defRPr>
+            </a:lvl2pPr>
+            <a:lvl3pPr eaLnBrk="1" hangingPunct="1">
+              <a:defRPr>
+                <a:solidFill>
+                  <a:schemeClr val="tx2"/>
+                </a:solidFill>
+              </a:defRPr>
+            </a:lvl3pPr>
+            <a:lvl4pPr eaLnBrk="1" hangingPunct="1">
+              <a:defRPr>
+                <a:solidFill>
+                  <a:schemeClr val="tx2"/>
+                </a:solidFill>
+              </a:defRPr>
+            </a:lvl4pPr>
+            <a:lvl5pPr eaLnBrk="1" hangingPunct="1">
+              <a:defRPr>
+                <a:solidFill>
+                  <a:schemeClr val="tx2"/>
+                </a:solidFill>
+              </a:defRPr>
+            </a:lvl5pPr>
+            <a:lvl6pPr eaLnBrk="1" hangingPunct="1">
+              <a:defRPr>
+                <a:solidFill>
+                  <a:schemeClr val="tx2"/>
+                </a:solidFill>
+              </a:defRPr>
+            </a:lvl6pPr>
+            <a:lvl7pPr eaLnBrk="1" hangingPunct="1">
+              <a:defRPr>
+                <a:solidFill>
+                  <a:schemeClr val="tx2"/>
+                </a:solidFill>
+              </a:defRPr>
+            </a:lvl7pPr>
+            <a:lvl8pPr eaLnBrk="1" hangingPunct="1">
+              <a:defRPr>
+                <a:solidFill>
+                  <a:schemeClr val="tx2"/>
+                </a:solidFill>
+              </a:defRPr>
+            </a:lvl8pPr>
+            <a:lvl9pPr eaLnBrk="1" hangingPunct="1">
+              <a:defRPr>
+                <a:solidFill>
+                  <a:schemeClr val="tx2"/>
+                </a:solidFill>
+              </a:defRPr>
+            </a:lvl9pPr>
+          </a:lstStyle>
+          <a:p>
+            <a:r>
+              <a:rPr lang="en-IN" dirty="0"/>
+              <a:t>While loop</a:t>
+            </a:r>
+          </a:p>
+        </p:txBody>
+      </p:sp>
+      <p:sp>
+        <p:nvSpPr>
+          <p:cNvPr id="3" name="TextBox 2">
+            <a:extLst>
+              <a:ext uri="{FF2B5EF4-FFF2-40B4-BE49-F238E27FC236}">
+                <a16:creationId xmlns:a16="http://schemas.microsoft.com/office/drawing/2014/main" id="{263E3DA9-4061-4052-B34A-1A491E9CB294}"/>
+              </a:ext>
+            </a:extLst>
+          </p:cNvPr>
+          <p:cNvSpPr txBox="1"/>
+          <p:nvPr/>
+        </p:nvSpPr>
+        <p:spPr>
+          <a:xfrm>
+            <a:off x="433952" y="1301858"/>
+            <a:ext cx="10879810" cy="646331"/>
+          </a:xfrm>
+          <a:prstGeom prst="rect">
+            <a:avLst/>
+          </a:prstGeom>
+          <a:noFill/>
+        </p:spPr>
+        <p:txBody>
+          <a:bodyPr wrap="square" rtlCol="0">
+            <a:spAutoFit/>
+          </a:bodyPr>
           <a:lstStyle/>
           <a:p>
-            <a:endParaRPr lang="en-IN"/>
+            <a:r>
+              <a:rPr lang="en-IN" dirty="0"/>
+              <a:t>Loops are used for repeated execution of a single statement of a block of statements, till the condition is true.</a:t>
+            </a:r>
+          </a:p>
+        </p:txBody>
+      </p:sp>
+      <p:sp>
+        <p:nvSpPr>
+          <p:cNvPr id="4" name="Rectangle 3">
+            <a:extLst>
+              <a:ext uri="{FF2B5EF4-FFF2-40B4-BE49-F238E27FC236}">
+                <a16:creationId xmlns:a16="http://schemas.microsoft.com/office/drawing/2014/main" id="{6557ACDA-CE15-4242-89B2-AF6A9D085496}"/>
+              </a:ext>
+            </a:extLst>
+          </p:cNvPr>
+          <p:cNvSpPr/>
+          <p:nvPr/>
+        </p:nvSpPr>
+        <p:spPr>
+          <a:xfrm>
+            <a:off x="790414" y="2262753"/>
+            <a:ext cx="8958020" cy="3595606"/>
+          </a:xfrm>
+          <a:prstGeom prst="rect">
+            <a:avLst/>
+          </a:prstGeom>
+        </p:spPr>
+        <p:style>
+          <a:lnRef idx="2">
+            <a:schemeClr val="accent1">
+              <a:shade val="50000"/>
+            </a:schemeClr>
+          </a:lnRef>
+          <a:fillRef idx="1">
+            <a:schemeClr val="accent1"/>
+          </a:fillRef>
+          <a:effectRef idx="0">
+            <a:schemeClr val="accent1"/>
+          </a:effectRef>
+          <a:fontRef idx="minor">
+            <a:schemeClr val="lt1"/>
+          </a:fontRef>
+        </p:style>
+        <p:txBody>
+          <a:bodyPr rtlCol="0" anchor="ctr"/>
+          <a:lstStyle/>
+          <a:p>
+            <a:r>
+              <a:rPr lang="en-IN" sz="2800" b="1" dirty="0"/>
+              <a:t>while</a:t>
+            </a:r>
+            <a:r>
+              <a:rPr lang="en-IN" sz="2800" dirty="0"/>
+              <a:t> &lt;</a:t>
+            </a:r>
+            <a:r>
+              <a:rPr lang="en-IN" sz="2800" dirty="0" err="1"/>
+              <a:t>condtion</a:t>
+            </a:r>
+            <a:r>
+              <a:rPr lang="en-IN" sz="2800" dirty="0"/>
+              <a:t>&gt; :</a:t>
+            </a:r>
+          </a:p>
+          <a:p>
+            <a:r>
+              <a:rPr lang="en-IN" sz="2800" dirty="0"/>
+              <a:t>&lt;indentation&gt; &lt;statement1&gt;</a:t>
+            </a:r>
+          </a:p>
+          <a:p>
+            <a:r>
+              <a:rPr lang="en-IN" sz="2800" dirty="0"/>
+              <a:t>&lt;indentation&gt; &lt;Statement2&gt;</a:t>
+            </a:r>
+          </a:p>
+          <a:p>
+            <a:r>
+              <a:rPr lang="en-IN" sz="2800" dirty="0"/>
+              <a:t>&lt;indentation&gt; &lt;statement3&gt;</a:t>
+            </a:r>
+          </a:p>
+          <a:p>
+            <a:r>
+              <a:rPr lang="en-IN" sz="2800" dirty="0"/>
+              <a:t>&lt;indentation&gt; &lt;Statement4&gt;</a:t>
+            </a:r>
+          </a:p>
+          <a:p>
+            <a:r>
+              <a:rPr lang="en-IN" sz="2800" dirty="0"/>
+              <a:t>else:  </a:t>
+            </a:r>
+          </a:p>
+          <a:p>
+            <a:r>
+              <a:rPr lang="en-IN" sz="2800" dirty="0"/>
+              <a:t>&lt;indentation&gt; &lt;Statement5&gt;</a:t>
+            </a:r>
+          </a:p>
+          <a:p>
+            <a:pPr algn="ctr"/>
+            <a:endParaRPr lang="en-IN" dirty="0"/>
+          </a:p>
+          <a:p>
+            <a:pPr algn="ctr"/>
+            <a:r>
+              <a:rPr lang="en-IN" dirty="0"/>
+              <a:t># Note else is optional</a:t>
+            </a:r>
           </a:p>
         </p:txBody>
       </p:sp>
     </p:spTree>
     <p:extLst>
       <p:ext uri="{BB962C8B-B14F-4D97-AF65-F5344CB8AC3E}">
-        <p14:creationId xmlns:p14="http://schemas.microsoft.com/office/powerpoint/2010/main" val="2713046119"/>
+        <p14:creationId xmlns:p14="http://schemas.microsoft.com/office/powerpoint/2010/main" val="3350799638"/>
       </p:ext>
     </p:extLst>
   </p:cSld>
@@ -6728,33 +7598,233 @@
       </p:grpSpPr>
       <p:sp>
         <p:nvSpPr>
-          <p:cNvPr id="3" name="Title 2">
+          <p:cNvPr id="2" name="Rectangle 1">
             <a:extLst>
               <a:ext uri="{FF2B5EF4-FFF2-40B4-BE49-F238E27FC236}">
-                <a16:creationId xmlns:a16="http://schemas.microsoft.com/office/drawing/2014/main" id="{E6702153-17B2-407B-8039-45A95BBA7D1A}"/>
+                <a16:creationId xmlns:a16="http://schemas.microsoft.com/office/drawing/2014/main" id="{C03BA82C-4FB8-41CA-93D5-AF68FF5382B6}"/>
               </a:ext>
             </a:extLst>
           </p:cNvPr>
-          <p:cNvSpPr>
-            <a:spLocks noGrp="1"/>
-          </p:cNvSpPr>
-          <p:nvPr>
-            <p:ph type="title"/>
-          </p:nvPr>
-        </p:nvSpPr>
-        <p:spPr/>
-        <p:txBody>
-          <a:bodyPr/>
+          <p:cNvSpPr/>
+          <p:nvPr/>
+        </p:nvSpPr>
+        <p:spPr>
+          <a:xfrm>
+            <a:off x="666426" y="657368"/>
+            <a:ext cx="10275377" cy="5909310"/>
+          </a:xfrm>
+          <a:prstGeom prst="rect">
+            <a:avLst/>
+          </a:prstGeom>
+        </p:spPr>
+        <p:txBody>
+          <a:bodyPr wrap="square">
+            <a:spAutoFit/>
+          </a:bodyPr>
           <a:lstStyle/>
           <a:p>
-            <a:endParaRPr lang="en-IN"/>
+            <a:r>
+              <a:rPr lang="en-IN" dirty="0"/>
+              <a:t># A program which keep asking for input and keep printing the value</a:t>
+            </a:r>
+          </a:p>
+          <a:p>
+            <a:r>
+              <a:rPr lang="en-IN" dirty="0"/>
+              <a:t># entered along as it is greater than zero</a:t>
+            </a:r>
+          </a:p>
+          <a:p>
+            <a:endParaRPr lang="en-IN" dirty="0"/>
+          </a:p>
+          <a:p>
+            <a:r>
+              <a:rPr lang="en-IN" dirty="0"/>
+              <a:t># Notice the role of else in combination with while statement</a:t>
+            </a:r>
+          </a:p>
+          <a:p>
+            <a:r>
+              <a:rPr lang="en-IN" dirty="0"/>
+              <a:t># Start this program with</a:t>
+            </a:r>
+          </a:p>
+          <a:p>
+            <a:r>
+              <a:rPr lang="en-IN" dirty="0"/>
+              <a:t># 1. Zero as input</a:t>
+            </a:r>
+          </a:p>
+          <a:p>
+            <a:r>
+              <a:rPr lang="en-IN" dirty="0"/>
+              <a:t># 2. </a:t>
+            </a:r>
+            <a:r>
+              <a:rPr lang="en-IN" dirty="0" err="1"/>
+              <a:t>Negtive</a:t>
+            </a:r>
+            <a:r>
+              <a:rPr lang="en-IN" dirty="0"/>
+              <a:t> number</a:t>
+            </a:r>
+          </a:p>
+          <a:p>
+            <a:r>
+              <a:rPr lang="en-IN" dirty="0"/>
+              <a:t># 3. Start the program with a </a:t>
+            </a:r>
+            <a:r>
+              <a:rPr lang="en-IN" dirty="0" err="1"/>
+              <a:t>postive</a:t>
+            </a:r>
+            <a:r>
+              <a:rPr lang="en-IN" dirty="0"/>
+              <a:t> number</a:t>
+            </a:r>
+          </a:p>
+          <a:p>
+            <a:r>
+              <a:rPr lang="en-IN" dirty="0"/>
+              <a:t># 4. After starting the program with a +</a:t>
+            </a:r>
+            <a:r>
+              <a:rPr lang="en-IN" dirty="0" err="1"/>
+              <a:t>ve</a:t>
+            </a:r>
+            <a:r>
+              <a:rPr lang="en-IN" dirty="0"/>
+              <a:t> number again enter a + number</a:t>
+            </a:r>
+          </a:p>
+          <a:p>
+            <a:r>
+              <a:rPr lang="en-IN" dirty="0"/>
+              <a:t># 5. After starting the program enter a with a +</a:t>
+            </a:r>
+            <a:r>
+              <a:rPr lang="en-IN" dirty="0" err="1"/>
+              <a:t>ve</a:t>
+            </a:r>
+            <a:r>
+              <a:rPr lang="en-IN" dirty="0"/>
+              <a:t> number enter again - number</a:t>
+            </a:r>
+          </a:p>
+          <a:p>
+            <a:r>
+              <a:rPr lang="en-IN" dirty="0"/>
+              <a:t># 6. After starting the program enter a with a +</a:t>
+            </a:r>
+            <a:r>
+              <a:rPr lang="en-IN" dirty="0" err="1"/>
+              <a:t>ve</a:t>
+            </a:r>
+            <a:r>
+              <a:rPr lang="en-IN" dirty="0"/>
+              <a:t> number enter again 0</a:t>
+            </a:r>
+          </a:p>
+          <a:p>
+            <a:r>
+              <a:rPr lang="en-IN" dirty="0"/>
+              <a:t>print "Enter a number: "</a:t>
+            </a:r>
+          </a:p>
+          <a:p>
+            <a:r>
+              <a:rPr lang="en-IN" dirty="0"/>
+              <a:t>data = </a:t>
+            </a:r>
+            <a:r>
+              <a:rPr lang="en-IN" dirty="0" err="1"/>
+              <a:t>int</a:t>
+            </a:r>
+            <a:r>
+              <a:rPr lang="en-IN" dirty="0"/>
+              <a:t>(</a:t>
+            </a:r>
+            <a:r>
+              <a:rPr lang="en-IN" dirty="0" err="1"/>
+              <a:t>raw_input</a:t>
+            </a:r>
+            <a:r>
+              <a:rPr lang="en-IN" dirty="0"/>
+              <a:t>())</a:t>
+            </a:r>
+          </a:p>
+          <a:p>
+            <a:endParaRPr lang="en-IN" dirty="0"/>
+          </a:p>
+          <a:p>
+            <a:r>
+              <a:rPr lang="en-IN" b="1" dirty="0">
+                <a:solidFill>
+                  <a:srgbClr val="FF0000"/>
+                </a:solidFill>
+              </a:rPr>
+              <a:t>while(data &gt; 0):</a:t>
+            </a:r>
+          </a:p>
+          <a:p>
+            <a:r>
+              <a:rPr lang="en-IN" dirty="0"/>
+              <a:t>      print "Enter a number: "</a:t>
+            </a:r>
+          </a:p>
+          <a:p>
+            <a:r>
+              <a:rPr lang="en-IN" dirty="0"/>
+              <a:t>      data = </a:t>
+            </a:r>
+            <a:r>
+              <a:rPr lang="en-IN" dirty="0" err="1"/>
+              <a:t>int</a:t>
+            </a:r>
+            <a:r>
+              <a:rPr lang="en-IN" dirty="0"/>
+              <a:t>(</a:t>
+            </a:r>
+            <a:r>
+              <a:rPr lang="en-IN" dirty="0" err="1"/>
+              <a:t>raw_input</a:t>
+            </a:r>
+            <a:r>
+              <a:rPr lang="en-IN" dirty="0"/>
+              <a:t>())</a:t>
+            </a:r>
+          </a:p>
+          <a:p>
+            <a:r>
+              <a:rPr lang="en-IN" dirty="0"/>
+              <a:t>      print data</a:t>
+            </a:r>
+          </a:p>
+          <a:p>
+            <a:r>
+              <a:rPr lang="en-IN" b="1" dirty="0">
+                <a:solidFill>
+                  <a:srgbClr val="FF0000"/>
+                </a:solidFill>
+              </a:rPr>
+              <a:t>else:</a:t>
+            </a:r>
+          </a:p>
+          <a:p>
+            <a:r>
+              <a:rPr lang="en-IN" dirty="0"/>
+              <a:t>      print "Exiting {}".format(data)</a:t>
+            </a:r>
+          </a:p>
+          <a:p>
+            <a:endParaRPr lang="en-IN" dirty="0"/>
           </a:p>
         </p:txBody>
       </p:sp>
     </p:spTree>
     <p:extLst>
       <p:ext uri="{BB962C8B-B14F-4D97-AF65-F5344CB8AC3E}">
-        <p14:creationId xmlns:p14="http://schemas.microsoft.com/office/powerpoint/2010/main" val="2555321954"/>
+        <p14:creationId xmlns:p14="http://schemas.microsoft.com/office/powerpoint/2010/main" val="2363670259"/>
       </p:ext>
     </p:extLst>
   </p:cSld>
@@ -6781,10 +7851,244 @@
           <a:chExt cx="0" cy="0"/>
         </a:xfrm>
       </p:grpSpPr>
+      <p:sp>
+        <p:nvSpPr>
+          <p:cNvPr id="3" name="Title 2">
+            <a:extLst>
+              <a:ext uri="{FF2B5EF4-FFF2-40B4-BE49-F238E27FC236}">
+                <a16:creationId xmlns:a16="http://schemas.microsoft.com/office/drawing/2014/main" id="{08B6FD0E-B0BE-45FF-AB03-F4BC1CE56520}"/>
+              </a:ext>
+            </a:extLst>
+          </p:cNvPr>
+          <p:cNvSpPr>
+            <a:spLocks noGrp="1"/>
+          </p:cNvSpPr>
+          <p:nvPr>
+            <p:ph type="title"/>
+          </p:nvPr>
+        </p:nvSpPr>
+        <p:spPr>
+          <a:xfrm>
+            <a:off x="646111" y="452718"/>
+            <a:ext cx="9404723" cy="740651"/>
+          </a:xfrm>
+        </p:spPr>
+        <p:txBody>
+          <a:bodyPr/>
+          <a:lstStyle/>
+          <a:p>
+            <a:r>
+              <a:rPr lang="en-IN" dirty="0"/>
+              <a:t>for loop </a:t>
+            </a:r>
+          </a:p>
+        </p:txBody>
+      </p:sp>
+      <p:sp>
+        <p:nvSpPr>
+          <p:cNvPr id="2" name="TextBox 1">
+            <a:extLst>
+              <a:ext uri="{FF2B5EF4-FFF2-40B4-BE49-F238E27FC236}">
+                <a16:creationId xmlns:a16="http://schemas.microsoft.com/office/drawing/2014/main" id="{DFB55377-3509-4E43-8308-E0929BA49E47}"/>
+              </a:ext>
+            </a:extLst>
+          </p:cNvPr>
+          <p:cNvSpPr txBox="1"/>
+          <p:nvPr/>
+        </p:nvSpPr>
+        <p:spPr>
+          <a:xfrm>
+            <a:off x="646111" y="1345858"/>
+            <a:ext cx="9608949" cy="1477328"/>
+          </a:xfrm>
+          <a:prstGeom prst="rect">
+            <a:avLst/>
+          </a:prstGeom>
+          <a:noFill/>
+          <a:ln>
+            <a:solidFill>
+              <a:srgbClr val="FF0000"/>
+            </a:solidFill>
+          </a:ln>
+        </p:spPr>
+        <p:txBody>
+          <a:bodyPr wrap="square" rtlCol="0">
+            <a:spAutoFit/>
+          </a:bodyPr>
+          <a:lstStyle/>
+          <a:p>
+            <a:r>
+              <a:rPr lang="en-IN" dirty="0"/>
+              <a:t>for </a:t>
+            </a:r>
+            <a:r>
+              <a:rPr lang="en-IN" dirty="0" err="1"/>
+              <a:t>i</a:t>
+            </a:r>
+            <a:r>
+              <a:rPr lang="en-IN" dirty="0"/>
+              <a:t> in range(1, 10):</a:t>
+            </a:r>
+          </a:p>
+          <a:p>
+            <a:r>
+              <a:rPr lang="en-IN" dirty="0"/>
+              <a:t>    print </a:t>
+            </a:r>
+            <a:r>
+              <a:rPr lang="en-IN" dirty="0" err="1"/>
+              <a:t>i</a:t>
+            </a:r>
+            <a:endParaRPr lang="en-IN" dirty="0"/>
+          </a:p>
+          <a:p>
+            <a:r>
+              <a:rPr lang="en-IN" dirty="0"/>
+              <a:t>else:</a:t>
+            </a:r>
+          </a:p>
+          <a:p>
+            <a:r>
+              <a:rPr lang="en-IN" dirty="0"/>
+              <a:t>    print ‘Loop completed'</a:t>
+            </a:r>
+          </a:p>
+          <a:p>
+            <a:endParaRPr lang="en-IN" dirty="0"/>
+          </a:p>
+        </p:txBody>
+      </p:sp>
+      <p:sp>
+        <p:nvSpPr>
+          <p:cNvPr id="4" name="Rectangle 3">
+            <a:extLst>
+              <a:ext uri="{FF2B5EF4-FFF2-40B4-BE49-F238E27FC236}">
+                <a16:creationId xmlns:a16="http://schemas.microsoft.com/office/drawing/2014/main" id="{CCC033EF-2DCF-4145-A374-F92C0C051C82}"/>
+              </a:ext>
+            </a:extLst>
+          </p:cNvPr>
+          <p:cNvSpPr/>
+          <p:nvPr/>
+        </p:nvSpPr>
+        <p:spPr>
+          <a:xfrm>
+            <a:off x="869462" y="2975675"/>
+            <a:ext cx="8958020" cy="3595606"/>
+          </a:xfrm>
+          <a:prstGeom prst="rect">
+            <a:avLst/>
+          </a:prstGeom>
+        </p:spPr>
+        <p:style>
+          <a:lnRef idx="2">
+            <a:schemeClr val="accent1">
+              <a:shade val="50000"/>
+            </a:schemeClr>
+          </a:lnRef>
+          <a:fillRef idx="1">
+            <a:schemeClr val="accent1"/>
+          </a:fillRef>
+          <a:effectRef idx="0">
+            <a:schemeClr val="accent1"/>
+          </a:effectRef>
+          <a:fontRef idx="minor">
+            <a:schemeClr val="lt1"/>
+          </a:fontRef>
+        </p:style>
+        <p:txBody>
+          <a:bodyPr rtlCol="0" anchor="ctr"/>
+          <a:lstStyle/>
+          <a:p>
+            <a:r>
+              <a:rPr lang="en-IN" sz="2800" b="1" dirty="0"/>
+              <a:t>For  </a:t>
+            </a:r>
+            <a:r>
+              <a:rPr lang="en-IN" sz="2800" b="1" dirty="0">
+                <a:solidFill>
+                  <a:srgbClr val="00B050"/>
+                </a:solidFill>
+              </a:rPr>
+              <a:t>&lt;variable&gt; </a:t>
+            </a:r>
+            <a:r>
+              <a:rPr lang="en-IN" sz="2800" b="1" dirty="0"/>
+              <a:t>in </a:t>
+            </a:r>
+            <a:r>
+              <a:rPr lang="en-IN" sz="2800" b="1" dirty="0">
+                <a:solidFill>
+                  <a:srgbClr val="00B050"/>
+                </a:solidFill>
+              </a:rPr>
+              <a:t>&lt;range&gt;</a:t>
+            </a:r>
+            <a:r>
+              <a:rPr lang="en-IN" sz="2800" dirty="0">
+                <a:solidFill>
+                  <a:srgbClr val="00B050"/>
+                </a:solidFill>
+              </a:rPr>
+              <a:t> </a:t>
+            </a:r>
+          </a:p>
+          <a:p>
+            <a:r>
+              <a:rPr lang="en-IN" sz="2800" dirty="0"/>
+              <a:t>&lt;indentation&gt; &lt;statement1&gt;</a:t>
+            </a:r>
+          </a:p>
+          <a:p>
+            <a:r>
+              <a:rPr lang="en-IN" sz="2800" dirty="0"/>
+              <a:t>&lt;indentation&gt; &lt;Statement2&gt;</a:t>
+            </a:r>
+          </a:p>
+          <a:p>
+            <a:r>
+              <a:rPr lang="en-IN" sz="2800" dirty="0"/>
+              <a:t>&lt;indentation&gt; &lt;statement3&gt;</a:t>
+            </a:r>
+          </a:p>
+          <a:p>
+            <a:r>
+              <a:rPr lang="en-IN" sz="2800" dirty="0"/>
+              <a:t>&lt;indentation&gt; &lt;Statement4&gt;</a:t>
+            </a:r>
+          </a:p>
+          <a:p>
+            <a:r>
+              <a:rPr lang="en-IN" sz="2800" b="1" dirty="0"/>
+              <a:t>else:</a:t>
+            </a:r>
+            <a:r>
+              <a:rPr lang="en-IN" sz="2800" dirty="0"/>
+              <a:t>  </a:t>
+            </a:r>
+          </a:p>
+          <a:p>
+            <a:r>
+              <a:rPr lang="en-IN" sz="2800" dirty="0"/>
+              <a:t>&lt;indentation&gt; &lt;Statement5&gt;</a:t>
+            </a:r>
+          </a:p>
+          <a:p>
+            <a:pPr algn="ctr"/>
+            <a:endParaRPr lang="en-IN" dirty="0"/>
+          </a:p>
+          <a:p>
+            <a:pPr algn="ctr"/>
+            <a:r>
+              <a:rPr lang="en-IN" dirty="0"/>
+              <a:t># Note else is optional</a:t>
+            </a:r>
+          </a:p>
+        </p:txBody>
+      </p:sp>
     </p:spTree>
     <p:extLst>
       <p:ext uri="{BB962C8B-B14F-4D97-AF65-F5344CB8AC3E}">
-        <p14:creationId xmlns:p14="http://schemas.microsoft.com/office/powerpoint/2010/main" val="3723796558"/>
+        <p14:creationId xmlns:p14="http://schemas.microsoft.com/office/powerpoint/2010/main" val="2713046119"/>
       </p:ext>
     </p:extLst>
   </p:cSld>
@@ -6813,10 +8117,10 @@
       </p:grpSpPr>
       <p:sp>
         <p:nvSpPr>
-          <p:cNvPr id="4" name="Title 3">
+          <p:cNvPr id="3" name="Title 2">
             <a:extLst>
               <a:ext uri="{FF2B5EF4-FFF2-40B4-BE49-F238E27FC236}">
-                <a16:creationId xmlns:a16="http://schemas.microsoft.com/office/drawing/2014/main" id="{E46807F2-6D76-4EE7-97A0-D00787ACAC5F}"/>
+                <a16:creationId xmlns:a16="http://schemas.microsoft.com/office/drawing/2014/main" id="{E6702153-17B2-407B-8039-45A95BBA7D1A}"/>
               </a:ext>
             </a:extLst>
           </p:cNvPr>
@@ -6839,7 +8143,7 @@
     </p:spTree>
     <p:extLst>
       <p:ext uri="{BB962C8B-B14F-4D97-AF65-F5344CB8AC3E}">
-        <p14:creationId xmlns:p14="http://schemas.microsoft.com/office/powerpoint/2010/main" val="2004165061"/>
+        <p14:creationId xmlns:p14="http://schemas.microsoft.com/office/powerpoint/2010/main" val="2555321954"/>
       </p:ext>
     </p:extLst>
   </p:cSld>
